--- a/Projektunterlagen/999_Präsentationen/2. Abschlusspräsentation/Abschlusspräsentation Melodia_PRAESENTATION.pptx
+++ b/Projektunterlagen/999_Präsentationen/2. Abschlusspräsentation/Abschlusspräsentation Melodia_PRAESENTATION.pptx
@@ -966,7 +966,7 @@
             <a:pPr rtl="0"/>
             <a:fld id="{2897A712-BCE0-48E1-9249-75F8D4C7A8A7}" type="datetime1">
               <a:rPr lang="de-DE" smtClean="0"/>
-              <a:t>11.01.2026</a:t>
+              <a:t>13.01.2026</a:t>
             </a:fld>
             <a:endParaRPr lang="de-DE"/>
           </a:p>
@@ -1147,7 +1147,7 @@
             <a:fld id="{7F785A7A-6A0C-413D-886D-6A2F0BCC7B27}" type="datetime1">
               <a:rPr lang="de-DE" smtClean="0"/>
               <a:pPr/>
-              <a:t>11.01.2026</a:t>
+              <a:t>13.01.2026</a:t>
             </a:fld>
             <a:endParaRPr lang="de-DE"/>
           </a:p>
@@ -12861,13 +12861,13 @@
   <p:clrMapOvr>
     <a:masterClrMapping/>
   </p:clrMapOvr>
-  <mc:AlternateContent xmlns:mc="http://schemas.openxmlformats.org/markup-compatibility/2006">
-    <mc:Choice xmlns:p14="http://schemas.microsoft.com/office/powerpoint/2010/main" Requires="p14">
+  <mc:AlternateContent xmlns:mc="http://schemas.openxmlformats.org/markup-compatibility/2006" xmlns:p14="http://schemas.microsoft.com/office/powerpoint/2010/main">
+    <mc:Choice Requires="p14">
       <p:transition spd="med" p14:dur="700">
         <p:fade/>
       </p:transition>
     </mc:Choice>
-    <mc:Fallback>
+    <mc:Fallback xmlns="">
       <p:transition spd="med">
         <p:fade/>
       </p:transition>
@@ -12933,13 +12933,13 @@
   <p:clrMapOvr>
     <a:masterClrMapping/>
   </p:clrMapOvr>
-  <mc:AlternateContent xmlns:mc="http://schemas.openxmlformats.org/markup-compatibility/2006">
-    <mc:Choice xmlns:p14="http://schemas.microsoft.com/office/powerpoint/2010/main" Requires="p14">
+  <mc:AlternateContent xmlns:mc="http://schemas.openxmlformats.org/markup-compatibility/2006" xmlns:p14="http://schemas.microsoft.com/office/powerpoint/2010/main">
+    <mc:Choice Requires="p14">
       <p:transition spd="med" p14:dur="700">
         <p:fade/>
       </p:transition>
     </mc:Choice>
-    <mc:Fallback>
+    <mc:Fallback xmlns="">
       <p:transition spd="med">
         <p:fade/>
       </p:transition>
@@ -13123,13 +13123,13 @@
   <p:clrMapOvr>
     <a:masterClrMapping/>
   </p:clrMapOvr>
-  <mc:AlternateContent xmlns:mc="http://schemas.openxmlformats.org/markup-compatibility/2006">
-    <mc:Choice xmlns:p14="http://schemas.microsoft.com/office/powerpoint/2010/main" Requires="p14">
+  <mc:AlternateContent xmlns:mc="http://schemas.openxmlformats.org/markup-compatibility/2006" xmlns:p14="http://schemas.microsoft.com/office/powerpoint/2010/main">
+    <mc:Choice Requires="p14">
       <p:transition spd="med" p14:dur="700">
         <p:fade/>
       </p:transition>
     </mc:Choice>
-    <mc:Fallback>
+    <mc:Fallback xmlns="">
       <p:transition spd="med">
         <p:fade/>
       </p:transition>
@@ -13198,13 +13198,13 @@
   <p:clrMapOvr>
     <a:masterClrMapping/>
   </p:clrMapOvr>
-  <mc:AlternateContent xmlns:mc="http://schemas.openxmlformats.org/markup-compatibility/2006">
-    <mc:Choice xmlns:p14="http://schemas.microsoft.com/office/powerpoint/2010/main" Requires="p14">
+  <mc:AlternateContent xmlns:mc="http://schemas.openxmlformats.org/markup-compatibility/2006" xmlns:p14="http://schemas.microsoft.com/office/powerpoint/2010/main">
+    <mc:Choice Requires="p14">
       <p:transition spd="med" p14:dur="700">
         <p:fade/>
       </p:transition>
     </mc:Choice>
-    <mc:Fallback>
+    <mc:Fallback xmlns="">
       <p:transition spd="med">
         <p:fade/>
       </p:transition>
@@ -13323,13 +13323,13 @@
   <p:clrMapOvr>
     <a:masterClrMapping/>
   </p:clrMapOvr>
-  <mc:AlternateContent xmlns:mc="http://schemas.openxmlformats.org/markup-compatibility/2006">
-    <mc:Choice xmlns:p14="http://schemas.microsoft.com/office/powerpoint/2010/main" Requires="p14">
+  <mc:AlternateContent xmlns:mc="http://schemas.openxmlformats.org/markup-compatibility/2006" xmlns:p14="http://schemas.microsoft.com/office/powerpoint/2010/main">
+    <mc:Choice Requires="p14">
       <p:transition spd="med" p14:dur="700">
         <p:fade/>
       </p:transition>
     </mc:Choice>
-    <mc:Fallback>
+    <mc:Fallback xmlns="">
       <p:transition spd="med">
         <p:fade/>
       </p:transition>
@@ -13643,13 +13643,13 @@
   <p:clrMapOvr>
     <a:masterClrMapping/>
   </p:clrMapOvr>
-  <mc:AlternateContent xmlns:mc="http://schemas.openxmlformats.org/markup-compatibility/2006">
-    <mc:Choice xmlns:p14="http://schemas.microsoft.com/office/powerpoint/2010/main" Requires="p14">
+  <mc:AlternateContent xmlns:mc="http://schemas.openxmlformats.org/markup-compatibility/2006" xmlns:p14="http://schemas.microsoft.com/office/powerpoint/2010/main">
+    <mc:Choice Requires="p14">
       <p:transition spd="med" p14:dur="700">
         <p:fade/>
       </p:transition>
     </mc:Choice>
-    <mc:Fallback>
+    <mc:Fallback xmlns="">
       <p:transition spd="med">
         <p:fade/>
       </p:transition>
@@ -13763,13 +13763,13 @@
   <p:clrMapOvr>
     <a:masterClrMapping/>
   </p:clrMapOvr>
-  <mc:AlternateContent xmlns:mc="http://schemas.openxmlformats.org/markup-compatibility/2006">
-    <mc:Choice xmlns:p14="http://schemas.microsoft.com/office/powerpoint/2010/main" Requires="p14">
+  <mc:AlternateContent xmlns:mc="http://schemas.openxmlformats.org/markup-compatibility/2006" xmlns:p14="http://schemas.microsoft.com/office/powerpoint/2010/main">
+    <mc:Choice Requires="p14">
       <p:transition spd="med" p14:dur="700">
         <p:fade/>
       </p:transition>
     </mc:Choice>
-    <mc:Fallback>
+    <mc:Fallback xmlns="">
       <p:transition spd="med">
         <p:fade/>
       </p:transition>
@@ -13873,13 +13873,13 @@
   <p:clrMapOvr>
     <a:masterClrMapping/>
   </p:clrMapOvr>
-  <mc:AlternateContent xmlns:mc="http://schemas.openxmlformats.org/markup-compatibility/2006">
-    <mc:Choice xmlns:p14="http://schemas.microsoft.com/office/powerpoint/2010/main" Requires="p14">
+  <mc:AlternateContent xmlns:mc="http://schemas.openxmlformats.org/markup-compatibility/2006" xmlns:p14="http://schemas.microsoft.com/office/powerpoint/2010/main">
+    <mc:Choice Requires="p14">
       <p:transition spd="med" p14:dur="700">
         <p:fade/>
       </p:transition>
     </mc:Choice>
-    <mc:Fallback>
+    <mc:Fallback xmlns="">
       <p:transition spd="med">
         <p:fade/>
       </p:transition>
@@ -14084,13 +14084,13 @@
   <p:clrMapOvr>
     <a:masterClrMapping/>
   </p:clrMapOvr>
-  <mc:AlternateContent xmlns:mc="http://schemas.openxmlformats.org/markup-compatibility/2006">
-    <mc:Choice xmlns:p14="http://schemas.microsoft.com/office/powerpoint/2010/main" Requires="p14">
+  <mc:AlternateContent xmlns:mc="http://schemas.openxmlformats.org/markup-compatibility/2006" xmlns:p14="http://schemas.microsoft.com/office/powerpoint/2010/main">
+    <mc:Choice Requires="p14">
       <p:transition spd="med" p14:dur="700">
         <p:fade/>
       </p:transition>
     </mc:Choice>
-    <mc:Fallback>
+    <mc:Fallback xmlns="">
       <p:transition spd="med">
         <p:fade/>
       </p:transition>
@@ -14200,13 +14200,13 @@
   <p:clrMapOvr>
     <a:masterClrMapping/>
   </p:clrMapOvr>
-  <mc:AlternateContent xmlns:mc="http://schemas.openxmlformats.org/markup-compatibility/2006">
-    <mc:Choice xmlns:p14="http://schemas.microsoft.com/office/powerpoint/2010/main" Requires="p14">
+  <mc:AlternateContent xmlns:mc="http://schemas.openxmlformats.org/markup-compatibility/2006" xmlns:p14="http://schemas.microsoft.com/office/powerpoint/2010/main">
+    <mc:Choice Requires="p14">
       <p:transition spd="med" p14:dur="700">
         <p:fade/>
       </p:transition>
     </mc:Choice>
-    <mc:Fallback>
+    <mc:Fallback xmlns="">
       <p:transition spd="med">
         <p:fade/>
       </p:transition>
@@ -14346,7 +14346,7 @@
             </a:pPr>
             <a:r>
               <a:rPr lang="de-DE" dirty="0"/>
-              <a:t>Funktionierender Prototyp des Musik-Quizspiels</a:t>
+              <a:t>Unterhaltsames Musik-Quizspiel</a:t>
             </a:r>
           </a:p>
           <a:p>
@@ -14356,7 +14356,7 @@
             </a:pPr>
             <a:r>
               <a:rPr lang="de-DE" dirty="0"/>
-              <a:t>Funktionierende Rangliste für Spielmotivation</a:t>
+              <a:t>Rangliste für Spielmotivation</a:t>
             </a:r>
           </a:p>
           <a:p>
@@ -14526,13 +14526,13 @@
   <p:clrMapOvr>
     <a:masterClrMapping/>
   </p:clrMapOvr>
-  <mc:AlternateContent xmlns:mc="http://schemas.openxmlformats.org/markup-compatibility/2006">
-    <mc:Choice xmlns:p14="http://schemas.microsoft.com/office/powerpoint/2010/main" Requires="p14">
+  <mc:AlternateContent xmlns:mc="http://schemas.openxmlformats.org/markup-compatibility/2006" xmlns:p14="http://schemas.microsoft.com/office/powerpoint/2010/main">
+    <mc:Choice Requires="p14">
       <p:transition spd="med" p14:dur="700">
         <p:fade/>
       </p:transition>
     </mc:Choice>
-    <mc:Fallback>
+    <mc:Fallback xmlns="">
       <p:transition spd="med">
         <p:fade/>
       </p:transition>
@@ -14643,13 +14643,13 @@
   <p:clrMapOvr>
     <a:masterClrMapping/>
   </p:clrMapOvr>
-  <mc:AlternateContent xmlns:mc="http://schemas.openxmlformats.org/markup-compatibility/2006">
-    <mc:Choice xmlns:p14="http://schemas.microsoft.com/office/powerpoint/2010/main" Requires="p14">
+  <mc:AlternateContent xmlns:mc="http://schemas.openxmlformats.org/markup-compatibility/2006" xmlns:p14="http://schemas.microsoft.com/office/powerpoint/2010/main">
+    <mc:Choice Requires="p14">
       <p:transition spd="med" p14:dur="700">
         <p:fade/>
       </p:transition>
     </mc:Choice>
-    <mc:Fallback>
+    <mc:Fallback xmlns="">
       <p:transition spd="med">
         <p:fade/>
       </p:transition>
@@ -14703,14 +14703,14 @@
           <a:lstStyle/>
           <a:p>
             <a:r>
-              <a:rPr lang="de-DE"/>
+              <a:rPr lang="de-DE" dirty="0"/>
               <a:t>Das </a:t>
             </a:r>
             <a:r>
-              <a:rPr lang="de-DE" err="1"/>
-              <a:t>Projekteam</a:t>
-            </a:r>
-            <a:endParaRPr lang="de-AT"/>
+              <a:rPr lang="de-DE" dirty="0" err="1"/>
+              <a:t>ProjekTteam</a:t>
+            </a:r>
+            <a:endParaRPr lang="de-AT" dirty="0"/>
           </a:p>
         </p:txBody>
       </p:sp>
@@ -14903,13 +14903,13 @@
   <p:clrMapOvr>
     <a:masterClrMapping/>
   </p:clrMapOvr>
-  <mc:AlternateContent xmlns:mc="http://schemas.openxmlformats.org/markup-compatibility/2006">
-    <mc:Choice xmlns:p14="http://schemas.microsoft.com/office/powerpoint/2010/main" Requires="p14">
+  <mc:AlternateContent xmlns:mc="http://schemas.openxmlformats.org/markup-compatibility/2006" xmlns:p14="http://schemas.microsoft.com/office/powerpoint/2010/main">
+    <mc:Choice Requires="p14">
       <p:transition spd="med" p14:dur="700">
         <p:fade/>
       </p:transition>
     </mc:Choice>
-    <mc:Fallback>
+    <mc:Fallback xmlns="">
       <p:transition spd="med">
         <p:fade/>
       </p:transition>
@@ -15019,13 +15019,13 @@
   <p:clrMapOvr>
     <a:masterClrMapping/>
   </p:clrMapOvr>
-  <mc:AlternateContent xmlns:mc="http://schemas.openxmlformats.org/markup-compatibility/2006">
-    <mc:Choice xmlns:p14="http://schemas.microsoft.com/office/powerpoint/2010/main" Requires="p14">
+  <mc:AlternateContent xmlns:mc="http://schemas.openxmlformats.org/markup-compatibility/2006" xmlns:p14="http://schemas.microsoft.com/office/powerpoint/2010/main">
+    <mc:Choice Requires="p14">
       <p:transition spd="med" p14:dur="700">
         <p:fade/>
       </p:transition>
     </mc:Choice>
-    <mc:Fallback>
+    <mc:Fallback xmlns="">
       <p:transition spd="med">
         <p:fade/>
       </p:transition>
@@ -15375,13 +15375,13 @@
   <p:clrMapOvr>
     <a:masterClrMapping/>
   </p:clrMapOvr>
-  <mc:AlternateContent xmlns:mc="http://schemas.openxmlformats.org/markup-compatibility/2006">
-    <mc:Choice xmlns:p14="http://schemas.microsoft.com/office/powerpoint/2010/main" Requires="p14">
+  <mc:AlternateContent xmlns:mc="http://schemas.openxmlformats.org/markup-compatibility/2006" xmlns:p14="http://schemas.microsoft.com/office/powerpoint/2010/main">
+    <mc:Choice Requires="p14">
       <p:transition spd="med" p14:dur="700">
         <p:fade/>
       </p:transition>
     </mc:Choice>
-    <mc:Fallback>
+    <mc:Fallback xmlns="">
       <p:transition spd="med">
         <p:fade/>
       </p:transition>
@@ -15491,13 +15491,13 @@
   <p:clrMapOvr>
     <a:masterClrMapping/>
   </p:clrMapOvr>
-  <mc:AlternateContent xmlns:mc="http://schemas.openxmlformats.org/markup-compatibility/2006">
-    <mc:Choice xmlns:p14="http://schemas.microsoft.com/office/powerpoint/2010/main" Requires="p14">
+  <mc:AlternateContent xmlns:mc="http://schemas.openxmlformats.org/markup-compatibility/2006" xmlns:p14="http://schemas.microsoft.com/office/powerpoint/2010/main">
+    <mc:Choice Requires="p14">
       <p:transition spd="med" p14:dur="700">
         <p:fade/>
       </p:transition>
     </mc:Choice>
-    <mc:Fallback>
+    <mc:Fallback xmlns="">
       <p:transition spd="med">
         <p:fade/>
       </p:transition>
@@ -16307,26 +16307,6 @@
 </file>
 
 <file path=customXml/item2.xml><?xml version="1.0" encoding="utf-8"?>
-<p:properties xmlns:p="http://schemas.microsoft.com/office/2006/metadata/properties" xmlns:xsi="http://www.w3.org/2001/XMLSchema-instance" xmlns:pc="http://schemas.microsoft.com/office/infopath/2007/PartnerControls">
-  <documentManagement>
-    <_ip_UnifiedCompliancePolicyUIAction xmlns="http://schemas.microsoft.com/sharepoint/v3" xsi:nil="true"/>
-    <Image xmlns="71af3243-3dd4-4a8d-8c0d-dd76da1f02a5">
-      <Url xsi:nil="true"/>
-      <Description xsi:nil="true"/>
-    </Image>
-    <Status xmlns="71af3243-3dd4-4a8d-8c0d-dd76da1f02a5">Not started</Status>
-    <Background xmlns="71af3243-3dd4-4a8d-8c0d-dd76da1f02a5">false</Background>
-    <_ip_UnifiedCompliancePolicyProperties xmlns="http://schemas.microsoft.com/sharepoint/v3" xsi:nil="true"/>
-    <ImageTagsTaxHTField xmlns="71af3243-3dd4-4a8d-8c0d-dd76da1f02a5">
-      <Terms xmlns="http://schemas.microsoft.com/office/infopath/2007/PartnerControls"/>
-    </ImageTagsTaxHTField>
-    <TaxCatchAll xmlns="230e9df3-be65-4c73-a93b-d1236ebd677e" xsi:nil="true"/>
-    <MediaServiceKeyPoints xmlns="71af3243-3dd4-4a8d-8c0d-dd76da1f02a5" xsi:nil="true"/>
-  </documentManagement>
-</p:properties>
-</file>
-
-<file path=customXml/item3.xml><?xml version="1.0" encoding="utf-8"?>
 <ct:contentTypeSchema xmlns:ct="http://schemas.microsoft.com/office/2006/metadata/contentType" xmlns:ma="http://schemas.microsoft.com/office/2006/metadata/properties/metaAttributes" ct:_="" ma:_="" ma:contentTypeName="Document" ma:contentTypeID="0x01010079F111ED35F8CC479449609E8A0923A6" ma:contentTypeVersion="28" ma:contentTypeDescription="Create a new document." ma:contentTypeScope="" ma:versionID="60f5a4f2d2b0abadcf532d48ebf9cb71">
   <xsd:schema xmlns:xsd="http://www.w3.org/2001/XMLSchema" xmlns:xs="http://www.w3.org/2001/XMLSchema" xmlns:p="http://schemas.microsoft.com/office/2006/metadata/properties" xmlns:ns1="http://schemas.microsoft.com/sharepoint/v3" xmlns:ns2="71af3243-3dd4-4a8d-8c0d-dd76da1f02a5" xmlns:ns3="16c05727-aa75-4e4a-9b5f-8a80a1165891" xmlns:ns4="230e9df3-be65-4c73-a93b-d1236ebd677e" targetNamespace="http://schemas.microsoft.com/office/2006/metadata/properties" ma:root="true" ma:fieldsID="7dd78129e6a1811f84807ad11c651531" ns1:_="" ns2:_="" ns3:_="" ns4:_="">
     <xsd:import namespace="http://schemas.microsoft.com/sharepoint/v3"/>
@@ -16638,6 +16618,26 @@
 </ct:contentTypeSchema>
 </file>
 
+<file path=customXml/item3.xml><?xml version="1.0" encoding="utf-8"?>
+<p:properties xmlns:p="http://schemas.microsoft.com/office/2006/metadata/properties" xmlns:xsi="http://www.w3.org/2001/XMLSchema-instance" xmlns:pc="http://schemas.microsoft.com/office/infopath/2007/PartnerControls">
+  <documentManagement>
+    <_ip_UnifiedCompliancePolicyUIAction xmlns="http://schemas.microsoft.com/sharepoint/v3" xsi:nil="true"/>
+    <Image xmlns="71af3243-3dd4-4a8d-8c0d-dd76da1f02a5">
+      <Url xsi:nil="true"/>
+      <Description xsi:nil="true"/>
+    </Image>
+    <Status xmlns="71af3243-3dd4-4a8d-8c0d-dd76da1f02a5">Not started</Status>
+    <Background xmlns="71af3243-3dd4-4a8d-8c0d-dd76da1f02a5">false</Background>
+    <_ip_UnifiedCompliancePolicyProperties xmlns="http://schemas.microsoft.com/sharepoint/v3" xsi:nil="true"/>
+    <ImageTagsTaxHTField xmlns="71af3243-3dd4-4a8d-8c0d-dd76da1f02a5">
+      <Terms xmlns="http://schemas.microsoft.com/office/infopath/2007/PartnerControls"/>
+    </ImageTagsTaxHTField>
+    <TaxCatchAll xmlns="230e9df3-be65-4c73-a93b-d1236ebd677e" xsi:nil="true"/>
+    <MediaServiceKeyPoints xmlns="71af3243-3dd4-4a8d-8c0d-dd76da1f02a5" xsi:nil="true"/>
+  </documentManagement>
+</p:properties>
+</file>
+
 <file path=customXml/itemProps1.xml><?xml version="1.0" encoding="utf-8"?>
 <ds:datastoreItem xmlns:ds="http://schemas.openxmlformats.org/officeDocument/2006/customXml" ds:itemID="{FABD9919-8F5A-4B99-83E1-E90FE1DCF2E1}">
   <ds:schemaRefs>
@@ -16647,25 +16647,6 @@
 </file>
 
 <file path=customXml/itemProps2.xml><?xml version="1.0" encoding="utf-8"?>
-<ds:datastoreItem xmlns:ds="http://schemas.openxmlformats.org/officeDocument/2006/customXml" ds:itemID="{80E87F72-70BF-43BC-A0D4-53665DC12672}">
-  <ds:schemaRefs>
-    <ds:schemaRef ds:uri="16c05727-aa75-4e4a-9b5f-8a80a1165891"/>
-    <ds:schemaRef ds:uri="230e9df3-be65-4c73-a93b-d1236ebd677e"/>
-    <ds:schemaRef ds:uri="71af3243-3dd4-4a8d-8c0d-dd76da1f02a5"/>
-    <ds:schemaRef ds:uri="http://purl.org/dc/dcmitype/"/>
-    <ds:schemaRef ds:uri="http://purl.org/dc/elements/1.1/"/>
-    <ds:schemaRef ds:uri="http://purl.org/dc/terms/"/>
-    <ds:schemaRef ds:uri="http://schemas.microsoft.com/office/2006/documentManagement/types"/>
-    <ds:schemaRef ds:uri="http://schemas.microsoft.com/office/2006/metadata/properties"/>
-    <ds:schemaRef ds:uri="http://schemas.microsoft.com/office/infopath/2007/PartnerControls"/>
-    <ds:schemaRef ds:uri="http://schemas.microsoft.com/sharepoint/v3"/>
-    <ds:schemaRef ds:uri="http://schemas.openxmlformats.org/package/2006/metadata/core-properties"/>
-    <ds:schemaRef ds:uri="http://www.w3.org/XML/1998/namespace"/>
-  </ds:schemaRefs>
-</ds:datastoreItem>
-</file>
-
-<file path=customXml/itemProps3.xml><?xml version="1.0" encoding="utf-8"?>
 <ds:datastoreItem xmlns:ds="http://schemas.openxmlformats.org/officeDocument/2006/customXml" ds:itemID="{52D646E0-DCC8-4209-B539-AA58186B682C}">
   <ds:schemaRefs>
     <ds:schemaRef ds:uri="16c05727-aa75-4e4a-9b5f-8a80a1165891"/>
@@ -16686,6 +16667,25 @@
 </ds:datastoreItem>
 </file>
 
+<file path=customXml/itemProps3.xml><?xml version="1.0" encoding="utf-8"?>
+<ds:datastoreItem xmlns:ds="http://schemas.openxmlformats.org/officeDocument/2006/customXml" ds:itemID="{80E87F72-70BF-43BC-A0D4-53665DC12672}">
+  <ds:schemaRefs>
+    <ds:schemaRef ds:uri="16c05727-aa75-4e4a-9b5f-8a80a1165891"/>
+    <ds:schemaRef ds:uri="230e9df3-be65-4c73-a93b-d1236ebd677e"/>
+    <ds:schemaRef ds:uri="71af3243-3dd4-4a8d-8c0d-dd76da1f02a5"/>
+    <ds:schemaRef ds:uri="http://purl.org/dc/dcmitype/"/>
+    <ds:schemaRef ds:uri="http://purl.org/dc/elements/1.1/"/>
+    <ds:schemaRef ds:uri="http://purl.org/dc/terms/"/>
+    <ds:schemaRef ds:uri="http://schemas.microsoft.com/office/2006/documentManagement/types"/>
+    <ds:schemaRef ds:uri="http://schemas.microsoft.com/office/2006/metadata/properties"/>
+    <ds:schemaRef ds:uri="http://schemas.microsoft.com/office/infopath/2007/PartnerControls"/>
+    <ds:schemaRef ds:uri="http://schemas.microsoft.com/sharepoint/v3"/>
+    <ds:schemaRef ds:uri="http://schemas.openxmlformats.org/package/2006/metadata/core-properties"/>
+    <ds:schemaRef ds:uri="http://www.w3.org/XML/1998/namespace"/>
+  </ds:schemaRefs>
+</ds:datastoreItem>
+</file>
+
 <file path=docMetadata/LabelInfo.xml><?xml version="1.0" encoding="utf-8"?>
 <clbl:labelList xmlns:clbl="http://schemas.microsoft.com/office/2020/mipLabelMetadata"/>
 </file>